--- a/73. Cleaning  Up Code with Exception.pptx
+++ b/73. Cleaning  Up Code with Exception.pptx
@@ -5,8 +5,9 @@
     <p:sldMasterId id="2147483648" r:id="rId1"/>
   </p:sldMasterIdLst>
   <p:sldIdLst>
-    <p:sldId id="256" r:id="rId2"/>
-    <p:sldId id="257" r:id="rId3"/>
+    <p:sldId id="258" r:id="rId2"/>
+    <p:sldId id="256" r:id="rId3"/>
+    <p:sldId id="257" r:id="rId4"/>
   </p:sldIdLst>
   <p:sldSz cx="12192000" cy="6858000"/>
   <p:notesSz cx="6858000" cy="9144000"/>
@@ -105,6 +106,11 @@
       </a:defRPr>
     </a:lvl9pPr>
   </p:defaultTextStyle>
+  <p:extLst>
+    <p:ext uri="{EFAFB233-063F-42B5-8137-9DF3F51BA10A}">
+      <p15:sldGuideLst xmlns:p15="http://schemas.microsoft.com/office/powerpoint/2012/main"/>
+    </p:ext>
+  </p:extLst>
 </p:presentation>
 </file>
 
@@ -150,10 +156,9 @@
           </a:lstStyle>
           <a:p>
             <a:r>
-              <a:rPr lang="en-US" smtClean="0"/>
+              <a:rPr lang="en-US"/>
               <a:t>Click to edit Master title style</a:t>
             </a:r>
-            <a:endParaRPr lang="en-US"/>
           </a:p>
         </p:txBody>
       </p:sp>
@@ -215,10 +220,9 @@
           </a:lstStyle>
           <a:p>
             <a:r>
-              <a:rPr lang="en-US" smtClean="0"/>
+              <a:rPr lang="en-US"/>
               <a:t>Click to edit Master subtitle style</a:t>
             </a:r>
-            <a:endParaRPr lang="en-US"/>
           </a:p>
         </p:txBody>
       </p:sp>
@@ -239,7 +243,7 @@
           <a:p>
             <a:fld id="{23F87965-996B-4A89-B35D-ED36642BDC95}" type="datetimeFigureOut">
               <a:rPr lang="en-US" smtClean="0"/>
-              <a:t>1/19/2019</a:t>
+              <a:t>1/26/2019</a:t>
             </a:fld>
             <a:endParaRPr lang="en-US"/>
           </a:p>
@@ -333,10 +337,9 @@
           <a:lstStyle/>
           <a:p>
             <a:r>
-              <a:rPr lang="en-US" smtClean="0"/>
+              <a:rPr lang="en-US"/>
               <a:t>Click to edit Master title style</a:t>
             </a:r>
-            <a:endParaRPr lang="en-US"/>
           </a:p>
         </p:txBody>
       </p:sp>
@@ -357,38 +360,37 @@
           <a:p>
             <a:pPr lvl="0"/>
             <a:r>
-              <a:rPr lang="en-US" smtClean="0"/>
+              <a:rPr lang="en-US"/>
               <a:t>Edit Master text styles</a:t>
             </a:r>
           </a:p>
           <a:p>
             <a:pPr lvl="1"/>
             <a:r>
-              <a:rPr lang="en-US" smtClean="0"/>
+              <a:rPr lang="en-US"/>
               <a:t>Second level</a:t>
             </a:r>
           </a:p>
           <a:p>
             <a:pPr lvl="2"/>
             <a:r>
-              <a:rPr lang="en-US" smtClean="0"/>
+              <a:rPr lang="en-US"/>
               <a:t>Third level</a:t>
             </a:r>
           </a:p>
           <a:p>
             <a:pPr lvl="3"/>
             <a:r>
-              <a:rPr lang="en-US" smtClean="0"/>
+              <a:rPr lang="en-US"/>
               <a:t>Fourth level</a:t>
             </a:r>
           </a:p>
           <a:p>
             <a:pPr lvl="4"/>
             <a:r>
-              <a:rPr lang="en-US" smtClean="0"/>
+              <a:rPr lang="en-US"/>
               <a:t>Fifth level</a:t>
             </a:r>
-            <a:endParaRPr lang="en-US"/>
           </a:p>
         </p:txBody>
       </p:sp>
@@ -409,7 +411,7 @@
           <a:p>
             <a:fld id="{23F87965-996B-4A89-B35D-ED36642BDC95}" type="datetimeFigureOut">
               <a:rPr lang="en-US" smtClean="0"/>
-              <a:t>1/19/2019</a:t>
+              <a:t>1/26/2019</a:t>
             </a:fld>
             <a:endParaRPr lang="en-US"/>
           </a:p>
@@ -508,10 +510,9 @@
           <a:lstStyle/>
           <a:p>
             <a:r>
-              <a:rPr lang="en-US" smtClean="0"/>
+              <a:rPr lang="en-US"/>
               <a:t>Click to edit Master title style</a:t>
             </a:r>
-            <a:endParaRPr lang="en-US"/>
           </a:p>
         </p:txBody>
       </p:sp>
@@ -537,38 +538,37 @@
           <a:p>
             <a:pPr lvl="0"/>
             <a:r>
-              <a:rPr lang="en-US" smtClean="0"/>
+              <a:rPr lang="en-US"/>
               <a:t>Edit Master text styles</a:t>
             </a:r>
           </a:p>
           <a:p>
             <a:pPr lvl="1"/>
             <a:r>
-              <a:rPr lang="en-US" smtClean="0"/>
+              <a:rPr lang="en-US"/>
               <a:t>Second level</a:t>
             </a:r>
           </a:p>
           <a:p>
             <a:pPr lvl="2"/>
             <a:r>
-              <a:rPr lang="en-US" smtClean="0"/>
+              <a:rPr lang="en-US"/>
               <a:t>Third level</a:t>
             </a:r>
           </a:p>
           <a:p>
             <a:pPr lvl="3"/>
             <a:r>
-              <a:rPr lang="en-US" smtClean="0"/>
+              <a:rPr lang="en-US"/>
               <a:t>Fourth level</a:t>
             </a:r>
           </a:p>
           <a:p>
             <a:pPr lvl="4"/>
             <a:r>
-              <a:rPr lang="en-US" smtClean="0"/>
+              <a:rPr lang="en-US"/>
               <a:t>Fifth level</a:t>
             </a:r>
-            <a:endParaRPr lang="en-US"/>
           </a:p>
         </p:txBody>
       </p:sp>
@@ -589,7 +589,7 @@
           <a:p>
             <a:fld id="{23F87965-996B-4A89-B35D-ED36642BDC95}" type="datetimeFigureOut">
               <a:rPr lang="en-US" smtClean="0"/>
-              <a:t>1/19/2019</a:t>
+              <a:t>1/26/2019</a:t>
             </a:fld>
             <a:endParaRPr lang="en-US"/>
           </a:p>
@@ -683,10 +683,9 @@
           <a:lstStyle/>
           <a:p>
             <a:r>
-              <a:rPr lang="en-US" smtClean="0"/>
+              <a:rPr lang="en-US"/>
               <a:t>Click to edit Master title style</a:t>
             </a:r>
-            <a:endParaRPr lang="en-US"/>
           </a:p>
         </p:txBody>
       </p:sp>
@@ -707,38 +706,37 @@
           <a:p>
             <a:pPr lvl="0"/>
             <a:r>
-              <a:rPr lang="en-US" smtClean="0"/>
+              <a:rPr lang="en-US"/>
               <a:t>Edit Master text styles</a:t>
             </a:r>
           </a:p>
           <a:p>
             <a:pPr lvl="1"/>
             <a:r>
-              <a:rPr lang="en-US" smtClean="0"/>
+              <a:rPr lang="en-US"/>
               <a:t>Second level</a:t>
             </a:r>
           </a:p>
           <a:p>
             <a:pPr lvl="2"/>
             <a:r>
-              <a:rPr lang="en-US" smtClean="0"/>
+              <a:rPr lang="en-US"/>
               <a:t>Third level</a:t>
             </a:r>
           </a:p>
           <a:p>
             <a:pPr lvl="3"/>
             <a:r>
-              <a:rPr lang="en-US" smtClean="0"/>
+              <a:rPr lang="en-US"/>
               <a:t>Fourth level</a:t>
             </a:r>
           </a:p>
           <a:p>
             <a:pPr lvl="4"/>
             <a:r>
-              <a:rPr lang="en-US" smtClean="0"/>
+              <a:rPr lang="en-US"/>
               <a:t>Fifth level</a:t>
             </a:r>
-            <a:endParaRPr lang="en-US"/>
           </a:p>
         </p:txBody>
       </p:sp>
@@ -759,7 +757,7 @@
           <a:p>
             <a:fld id="{23F87965-996B-4A89-B35D-ED36642BDC95}" type="datetimeFigureOut">
               <a:rPr lang="en-US" smtClean="0"/>
-              <a:t>1/19/2019</a:t>
+              <a:t>1/26/2019</a:t>
             </a:fld>
             <a:endParaRPr lang="en-US"/>
           </a:p>
@@ -862,10 +860,9 @@
           </a:lstStyle>
           <a:p>
             <a:r>
-              <a:rPr lang="en-US" smtClean="0"/>
+              <a:rPr lang="en-US"/>
               <a:t>Click to edit Master title style</a:t>
             </a:r>
-            <a:endParaRPr lang="en-US"/>
           </a:p>
         </p:txBody>
       </p:sp>
@@ -982,7 +979,7 @@
           <a:p>
             <a:pPr lvl="0"/>
             <a:r>
-              <a:rPr lang="en-US" smtClean="0"/>
+              <a:rPr lang="en-US"/>
               <a:t>Edit Master text styles</a:t>
             </a:r>
           </a:p>
@@ -1005,7 +1002,7 @@
           <a:p>
             <a:fld id="{23F87965-996B-4A89-B35D-ED36642BDC95}" type="datetimeFigureOut">
               <a:rPr lang="en-US" smtClean="0"/>
-              <a:t>1/19/2019</a:t>
+              <a:t>1/26/2019</a:t>
             </a:fld>
             <a:endParaRPr lang="en-US"/>
           </a:p>
@@ -1099,10 +1096,9 @@
           <a:lstStyle/>
           <a:p>
             <a:r>
-              <a:rPr lang="en-US" smtClean="0"/>
+              <a:rPr lang="en-US"/>
               <a:t>Click to edit Master title style</a:t>
             </a:r>
-            <a:endParaRPr lang="en-US"/>
           </a:p>
         </p:txBody>
       </p:sp>
@@ -1128,38 +1124,37 @@
           <a:p>
             <a:pPr lvl="0"/>
             <a:r>
-              <a:rPr lang="en-US" smtClean="0"/>
+              <a:rPr lang="en-US"/>
               <a:t>Edit Master text styles</a:t>
             </a:r>
           </a:p>
           <a:p>
             <a:pPr lvl="1"/>
             <a:r>
-              <a:rPr lang="en-US" smtClean="0"/>
+              <a:rPr lang="en-US"/>
               <a:t>Second level</a:t>
             </a:r>
           </a:p>
           <a:p>
             <a:pPr lvl="2"/>
             <a:r>
-              <a:rPr lang="en-US" smtClean="0"/>
+              <a:rPr lang="en-US"/>
               <a:t>Third level</a:t>
             </a:r>
           </a:p>
           <a:p>
             <a:pPr lvl="3"/>
             <a:r>
-              <a:rPr lang="en-US" smtClean="0"/>
+              <a:rPr lang="en-US"/>
               <a:t>Fourth level</a:t>
             </a:r>
           </a:p>
           <a:p>
             <a:pPr lvl="4"/>
             <a:r>
-              <a:rPr lang="en-US" smtClean="0"/>
+              <a:rPr lang="en-US"/>
               <a:t>Fifth level</a:t>
             </a:r>
-            <a:endParaRPr lang="en-US"/>
           </a:p>
         </p:txBody>
       </p:sp>
@@ -1185,38 +1180,37 @@
           <a:p>
             <a:pPr lvl="0"/>
             <a:r>
-              <a:rPr lang="en-US" smtClean="0"/>
+              <a:rPr lang="en-US"/>
               <a:t>Edit Master text styles</a:t>
             </a:r>
           </a:p>
           <a:p>
             <a:pPr lvl="1"/>
             <a:r>
-              <a:rPr lang="en-US" smtClean="0"/>
+              <a:rPr lang="en-US"/>
               <a:t>Second level</a:t>
             </a:r>
           </a:p>
           <a:p>
             <a:pPr lvl="2"/>
             <a:r>
-              <a:rPr lang="en-US" smtClean="0"/>
+              <a:rPr lang="en-US"/>
               <a:t>Third level</a:t>
             </a:r>
           </a:p>
           <a:p>
             <a:pPr lvl="3"/>
             <a:r>
-              <a:rPr lang="en-US" smtClean="0"/>
+              <a:rPr lang="en-US"/>
               <a:t>Fourth level</a:t>
             </a:r>
           </a:p>
           <a:p>
             <a:pPr lvl="4"/>
             <a:r>
-              <a:rPr lang="en-US" smtClean="0"/>
+              <a:rPr lang="en-US"/>
               <a:t>Fifth level</a:t>
             </a:r>
-            <a:endParaRPr lang="en-US"/>
           </a:p>
         </p:txBody>
       </p:sp>
@@ -1237,7 +1231,7 @@
           <a:p>
             <a:fld id="{23F87965-996B-4A89-B35D-ED36642BDC95}" type="datetimeFigureOut">
               <a:rPr lang="en-US" smtClean="0"/>
-              <a:t>1/19/2019</a:t>
+              <a:t>1/26/2019</a:t>
             </a:fld>
             <a:endParaRPr lang="en-US"/>
           </a:p>
@@ -1336,10 +1330,9 @@
           <a:lstStyle/>
           <a:p>
             <a:r>
-              <a:rPr lang="en-US" smtClean="0"/>
+              <a:rPr lang="en-US"/>
               <a:t>Click to edit Master title style</a:t>
             </a:r>
-            <a:endParaRPr lang="en-US"/>
           </a:p>
         </p:txBody>
       </p:sp>
@@ -1402,7 +1395,7 @@
           <a:p>
             <a:pPr lvl="0"/>
             <a:r>
-              <a:rPr lang="en-US" smtClean="0"/>
+              <a:rPr lang="en-US"/>
               <a:t>Edit Master text styles</a:t>
             </a:r>
           </a:p>
@@ -1430,38 +1423,37 @@
           <a:p>
             <a:pPr lvl="0"/>
             <a:r>
-              <a:rPr lang="en-US" smtClean="0"/>
+              <a:rPr lang="en-US"/>
               <a:t>Edit Master text styles</a:t>
             </a:r>
           </a:p>
           <a:p>
             <a:pPr lvl="1"/>
             <a:r>
-              <a:rPr lang="en-US" smtClean="0"/>
+              <a:rPr lang="en-US"/>
               <a:t>Second level</a:t>
             </a:r>
           </a:p>
           <a:p>
             <a:pPr lvl="2"/>
             <a:r>
-              <a:rPr lang="en-US" smtClean="0"/>
+              <a:rPr lang="en-US"/>
               <a:t>Third level</a:t>
             </a:r>
           </a:p>
           <a:p>
             <a:pPr lvl="3"/>
             <a:r>
-              <a:rPr lang="en-US" smtClean="0"/>
+              <a:rPr lang="en-US"/>
               <a:t>Fourth level</a:t>
             </a:r>
           </a:p>
           <a:p>
             <a:pPr lvl="4"/>
             <a:r>
-              <a:rPr lang="en-US" smtClean="0"/>
+              <a:rPr lang="en-US"/>
               <a:t>Fifth level</a:t>
             </a:r>
-            <a:endParaRPr lang="en-US"/>
           </a:p>
         </p:txBody>
       </p:sp>
@@ -1524,7 +1516,7 @@
           <a:p>
             <a:pPr lvl="0"/>
             <a:r>
-              <a:rPr lang="en-US" smtClean="0"/>
+              <a:rPr lang="en-US"/>
               <a:t>Edit Master text styles</a:t>
             </a:r>
           </a:p>
@@ -1552,38 +1544,37 @@
           <a:p>
             <a:pPr lvl="0"/>
             <a:r>
-              <a:rPr lang="en-US" smtClean="0"/>
+              <a:rPr lang="en-US"/>
               <a:t>Edit Master text styles</a:t>
             </a:r>
           </a:p>
           <a:p>
             <a:pPr lvl="1"/>
             <a:r>
-              <a:rPr lang="en-US" smtClean="0"/>
+              <a:rPr lang="en-US"/>
               <a:t>Second level</a:t>
             </a:r>
           </a:p>
           <a:p>
             <a:pPr lvl="2"/>
             <a:r>
-              <a:rPr lang="en-US" smtClean="0"/>
+              <a:rPr lang="en-US"/>
               <a:t>Third level</a:t>
             </a:r>
           </a:p>
           <a:p>
             <a:pPr lvl="3"/>
             <a:r>
-              <a:rPr lang="en-US" smtClean="0"/>
+              <a:rPr lang="en-US"/>
               <a:t>Fourth level</a:t>
             </a:r>
           </a:p>
           <a:p>
             <a:pPr lvl="4"/>
             <a:r>
-              <a:rPr lang="en-US" smtClean="0"/>
+              <a:rPr lang="en-US"/>
               <a:t>Fifth level</a:t>
             </a:r>
-            <a:endParaRPr lang="en-US"/>
           </a:p>
         </p:txBody>
       </p:sp>
@@ -1604,7 +1595,7 @@
           <a:p>
             <a:fld id="{23F87965-996B-4A89-B35D-ED36642BDC95}" type="datetimeFigureOut">
               <a:rPr lang="en-US" smtClean="0"/>
-              <a:t>1/19/2019</a:t>
+              <a:t>1/26/2019</a:t>
             </a:fld>
             <a:endParaRPr lang="en-US"/>
           </a:p>
@@ -1698,10 +1689,9 @@
           <a:lstStyle/>
           <a:p>
             <a:r>
-              <a:rPr lang="en-US" smtClean="0"/>
+              <a:rPr lang="en-US"/>
               <a:t>Click to edit Master title style</a:t>
             </a:r>
-            <a:endParaRPr lang="en-US"/>
           </a:p>
         </p:txBody>
       </p:sp>
@@ -1722,7 +1712,7 @@
           <a:p>
             <a:fld id="{23F87965-996B-4A89-B35D-ED36642BDC95}" type="datetimeFigureOut">
               <a:rPr lang="en-US" smtClean="0"/>
-              <a:t>1/19/2019</a:t>
+              <a:t>1/26/2019</a:t>
             </a:fld>
             <a:endParaRPr lang="en-US"/>
           </a:p>
@@ -1817,7 +1807,7 @@
           <a:p>
             <a:fld id="{23F87965-996B-4A89-B35D-ED36642BDC95}" type="datetimeFigureOut">
               <a:rPr lang="en-US" smtClean="0"/>
-              <a:t>1/19/2019</a:t>
+              <a:t>1/26/2019</a:t>
             </a:fld>
             <a:endParaRPr lang="en-US"/>
           </a:p>
@@ -1920,10 +1910,9 @@
           </a:lstStyle>
           <a:p>
             <a:r>
-              <a:rPr lang="en-US" smtClean="0"/>
+              <a:rPr lang="en-US"/>
               <a:t>Click to edit Master title style</a:t>
             </a:r>
-            <a:endParaRPr lang="en-US"/>
           </a:p>
         </p:txBody>
       </p:sp>
@@ -1977,38 +1966,37 @@
           <a:p>
             <a:pPr lvl="0"/>
             <a:r>
-              <a:rPr lang="en-US" smtClean="0"/>
+              <a:rPr lang="en-US"/>
               <a:t>Edit Master text styles</a:t>
             </a:r>
           </a:p>
           <a:p>
             <a:pPr lvl="1"/>
             <a:r>
-              <a:rPr lang="en-US" smtClean="0"/>
+              <a:rPr lang="en-US"/>
               <a:t>Second level</a:t>
             </a:r>
           </a:p>
           <a:p>
             <a:pPr lvl="2"/>
             <a:r>
-              <a:rPr lang="en-US" smtClean="0"/>
+              <a:rPr lang="en-US"/>
               <a:t>Third level</a:t>
             </a:r>
           </a:p>
           <a:p>
             <a:pPr lvl="3"/>
             <a:r>
-              <a:rPr lang="en-US" smtClean="0"/>
+              <a:rPr lang="en-US"/>
               <a:t>Fourth level</a:t>
             </a:r>
           </a:p>
           <a:p>
             <a:pPr lvl="4"/>
             <a:r>
-              <a:rPr lang="en-US" smtClean="0"/>
+              <a:rPr lang="en-US"/>
               <a:t>Fifth level</a:t>
             </a:r>
-            <a:endParaRPr lang="en-US"/>
           </a:p>
         </p:txBody>
       </p:sp>
@@ -2071,7 +2059,7 @@
           <a:p>
             <a:pPr lvl="0"/>
             <a:r>
-              <a:rPr lang="en-US" smtClean="0"/>
+              <a:rPr lang="en-US"/>
               <a:t>Edit Master text styles</a:t>
             </a:r>
           </a:p>
@@ -2094,7 +2082,7 @@
           <a:p>
             <a:fld id="{23F87965-996B-4A89-B35D-ED36642BDC95}" type="datetimeFigureOut">
               <a:rPr lang="en-US" smtClean="0"/>
-              <a:t>1/19/2019</a:t>
+              <a:t>1/26/2019</a:t>
             </a:fld>
             <a:endParaRPr lang="en-US"/>
           </a:p>
@@ -2197,10 +2185,9 @@
           </a:lstStyle>
           <a:p>
             <a:r>
-              <a:rPr lang="en-US" smtClean="0"/>
+              <a:rPr lang="en-US"/>
               <a:t>Click to edit Master title style</a:t>
             </a:r>
-            <a:endParaRPr lang="en-US"/>
           </a:p>
         </p:txBody>
       </p:sp>
@@ -2324,7 +2311,7 @@
           <a:p>
             <a:pPr lvl="0"/>
             <a:r>
-              <a:rPr lang="en-US" smtClean="0"/>
+              <a:rPr lang="en-US"/>
               <a:t>Edit Master text styles</a:t>
             </a:r>
           </a:p>
@@ -2347,7 +2334,7 @@
           <a:p>
             <a:fld id="{23F87965-996B-4A89-B35D-ED36642BDC95}" type="datetimeFigureOut">
               <a:rPr lang="en-US" smtClean="0"/>
-              <a:t>1/19/2019</a:t>
+              <a:t>1/26/2019</a:t>
             </a:fld>
             <a:endParaRPr lang="en-US"/>
           </a:p>
@@ -2456,10 +2443,9 @@
           <a:lstStyle/>
           <a:p>
             <a:r>
-              <a:rPr lang="en-US" smtClean="0"/>
+              <a:rPr lang="en-US"/>
               <a:t>Click to edit Master title style</a:t>
             </a:r>
-            <a:endParaRPr lang="en-US"/>
           </a:p>
         </p:txBody>
       </p:sp>
@@ -2490,38 +2476,37 @@
           <a:p>
             <a:pPr lvl="0"/>
             <a:r>
-              <a:rPr lang="en-US" smtClean="0"/>
+              <a:rPr lang="en-US"/>
               <a:t>Edit Master text styles</a:t>
             </a:r>
           </a:p>
           <a:p>
             <a:pPr lvl="1"/>
             <a:r>
-              <a:rPr lang="en-US" smtClean="0"/>
+              <a:rPr lang="en-US"/>
               <a:t>Second level</a:t>
             </a:r>
           </a:p>
           <a:p>
             <a:pPr lvl="2"/>
             <a:r>
-              <a:rPr lang="en-US" smtClean="0"/>
+              <a:rPr lang="en-US"/>
               <a:t>Third level</a:t>
             </a:r>
           </a:p>
           <a:p>
             <a:pPr lvl="3"/>
             <a:r>
-              <a:rPr lang="en-US" smtClean="0"/>
+              <a:rPr lang="en-US"/>
               <a:t>Fourth level</a:t>
             </a:r>
           </a:p>
           <a:p>
             <a:pPr lvl="4"/>
             <a:r>
-              <a:rPr lang="en-US" smtClean="0"/>
+              <a:rPr lang="en-US"/>
               <a:t>Fifth level</a:t>
             </a:r>
-            <a:endParaRPr lang="en-US"/>
           </a:p>
         </p:txBody>
       </p:sp>
@@ -2560,7 +2545,7 @@
           <a:p>
             <a:fld id="{23F87965-996B-4A89-B35D-ED36642BDC95}" type="datetimeFigureOut">
               <a:rPr lang="en-US" smtClean="0"/>
-              <a:t>1/19/2019</a:t>
+              <a:t>1/26/2019</a:t>
             </a:fld>
             <a:endParaRPr lang="en-US"/>
           </a:p>
@@ -2967,6 +2952,182 @@
       </p:grpSpPr>
       <p:sp>
         <p:nvSpPr>
+          <p:cNvPr id="2" name="Title 1">
+            <a:extLst>
+              <a:ext uri="{FF2B5EF4-FFF2-40B4-BE49-F238E27FC236}">
+                <a16:creationId xmlns:a16="http://schemas.microsoft.com/office/drawing/2014/main" id="{3763DAE7-D604-43D7-B26C-80D46575DF5E}"/>
+              </a:ext>
+            </a:extLst>
+          </p:cNvPr>
+          <p:cNvSpPr>
+            <a:spLocks noGrp="1"/>
+          </p:cNvSpPr>
+          <p:nvPr>
+            <p:ph type="title"/>
+          </p:nvPr>
+        </p:nvSpPr>
+        <p:spPr/>
+        <p:txBody>
+          <a:bodyPr/>
+          <a:lstStyle/>
+          <a:p>
+            <a:endParaRPr lang="en-US"/>
+          </a:p>
+        </p:txBody>
+      </p:sp>
+      <p:sp>
+        <p:nvSpPr>
+          <p:cNvPr id="3" name="Content Placeholder 2">
+            <a:extLst>
+              <a:ext uri="{FF2B5EF4-FFF2-40B4-BE49-F238E27FC236}">
+                <a16:creationId xmlns:a16="http://schemas.microsoft.com/office/drawing/2014/main" id="{8DF6B814-049E-4779-B91D-B725C2032D16}"/>
+              </a:ext>
+            </a:extLst>
+          </p:cNvPr>
+          <p:cNvSpPr>
+            <a:spLocks noGrp="1"/>
+          </p:cNvSpPr>
+          <p:nvPr>
+            <p:ph idx="1"/>
+          </p:nvPr>
+        </p:nvSpPr>
+        <p:spPr/>
+        <p:txBody>
+          <a:bodyPr/>
+          <a:lstStyle/>
+          <a:p>
+            <a:endParaRPr lang="en-US"/>
+          </a:p>
+        </p:txBody>
+      </p:sp>
+      <p:sp>
+        <p:nvSpPr>
+          <p:cNvPr id="4" name="Rectangle 3">
+            <a:extLst>
+              <a:ext uri="{FF2B5EF4-FFF2-40B4-BE49-F238E27FC236}">
+                <a16:creationId xmlns:a16="http://schemas.microsoft.com/office/drawing/2014/main" id="{09263B82-D4F4-41BA-80F6-FA4AAE6A172D}"/>
+              </a:ext>
+            </a:extLst>
+          </p:cNvPr>
+          <p:cNvSpPr/>
+          <p:nvPr/>
+        </p:nvSpPr>
+        <p:spPr>
+          <a:xfrm>
+            <a:off x="0" y="0"/>
+            <a:ext cx="12192000" cy="6858000"/>
+          </a:xfrm>
+          <a:prstGeom prst="rect">
+            <a:avLst/>
+          </a:prstGeom>
+          <a:solidFill>
+            <a:srgbClr val="1C3B56"/>
+          </a:solidFill>
+        </p:spPr>
+        <p:style>
+          <a:lnRef idx="2">
+            <a:schemeClr val="accent1">
+              <a:shade val="50000"/>
+            </a:schemeClr>
+          </a:lnRef>
+          <a:fillRef idx="1">
+            <a:schemeClr val="accent1"/>
+          </a:fillRef>
+          <a:effectRef idx="0">
+            <a:schemeClr val="accent1"/>
+          </a:effectRef>
+          <a:fontRef idx="minor">
+            <a:schemeClr val="lt1"/>
+          </a:fontRef>
+        </p:style>
+        <p:txBody>
+          <a:bodyPr rtlCol="0" anchor="ctr"/>
+          <a:lstStyle/>
+          <a:p>
+            <a:pPr lvl="2" algn="ctr">
+              <a:defRPr/>
+            </a:pPr>
+            <a:r>
+              <a:rPr lang="en-US" sz="4800" dirty="0">
+                <a:solidFill>
+                  <a:prstClr val="white"/>
+                </a:solidFill>
+                <a:latin typeface="Source Sans Pro Light" panose="020B0403030403020204" pitchFamily="34" charset="0"/>
+                <a:ea typeface="Source Sans Pro Light" panose="020B0403030403020204" pitchFamily="34" charset="0"/>
+              </a:rPr>
+              <a:t>Cleaning Up Code with Exception</a:t>
+            </a:r>
+          </a:p>
+        </p:txBody>
+      </p:sp>
+      <p:pic>
+        <p:nvPicPr>
+          <p:cNvPr id="5" name="Picture 4">
+            <a:extLst>
+              <a:ext uri="{FF2B5EF4-FFF2-40B4-BE49-F238E27FC236}">
+                <a16:creationId xmlns:a16="http://schemas.microsoft.com/office/drawing/2014/main" id="{2998C12C-9723-4FB1-B3BF-A5474C52405A}"/>
+              </a:ext>
+            </a:extLst>
+          </p:cNvPr>
+          <p:cNvPicPr>
+            <a:picLocks noChangeAspect="1"/>
+          </p:cNvPicPr>
+          <p:nvPr/>
+        </p:nvPicPr>
+        <p:blipFill>
+          <a:blip r:embed="rId2" cstate="print">
+            <a:extLst>
+              <a:ext uri="{28A0092B-C50C-407E-A947-70E740481C1C}">
+                <a14:useLocalDpi xmlns:a14="http://schemas.microsoft.com/office/drawing/2010/main" val="0"/>
+              </a:ext>
+            </a:extLst>
+          </a:blip>
+          <a:stretch>
+            <a:fillRect/>
+          </a:stretch>
+        </p:blipFill>
+        <p:spPr>
+          <a:xfrm>
+            <a:off x="1217543" y="2946952"/>
+            <a:ext cx="964096" cy="964096"/>
+          </a:xfrm>
+          <a:prstGeom prst="rect">
+            <a:avLst/>
+          </a:prstGeom>
+        </p:spPr>
+      </p:pic>
+    </p:spTree>
+    <p:extLst>
+      <p:ext uri="{BB962C8B-B14F-4D97-AF65-F5344CB8AC3E}">
+        <p14:creationId xmlns:p14="http://schemas.microsoft.com/office/powerpoint/2010/main" val="3880562871"/>
+      </p:ext>
+    </p:extLst>
+  </p:cSld>
+  <p:clrMapOvr>
+    <a:masterClrMapping/>
+  </p:clrMapOvr>
+</p:sld>
+</file>
+
+<file path=ppt/slides/slide2.xml><?xml version="1.0" encoding="utf-8"?>
+<p:sld xmlns:a="http://schemas.openxmlformats.org/drawingml/2006/main" xmlns:r="http://schemas.openxmlformats.org/officeDocument/2006/relationships" xmlns:p="http://schemas.openxmlformats.org/presentationml/2006/main">
+  <p:cSld>
+    <p:spTree>
+      <p:nvGrpSpPr>
+        <p:cNvPr id="1" name=""/>
+        <p:cNvGrpSpPr/>
+        <p:nvPr/>
+      </p:nvGrpSpPr>
+      <p:grpSpPr>
+        <a:xfrm>
+          <a:off x="0" y="0"/>
+          <a:ext cx="0" cy="0"/>
+          <a:chOff x="0" y="0"/>
+          <a:chExt cx="0" cy="0"/>
+        </a:xfrm>
+      </p:grpSpPr>
+      <p:sp>
+        <p:nvSpPr>
           <p:cNvPr id="2" name="Title 1"/>
           <p:cNvSpPr>
             <a:spLocks noGrp="1"/>
@@ -3040,7 +3201,7 @@
 </p:sld>
 </file>
 
-<file path=ppt/slides/slide2.xml><?xml version="1.0" encoding="utf-8"?>
+<file path=ppt/slides/slide3.xml><?xml version="1.0" encoding="utf-8"?>
 <p:sld xmlns:a="http://schemas.openxmlformats.org/drawingml/2006/main" xmlns:r="http://schemas.openxmlformats.org/officeDocument/2006/relationships" xmlns:p="http://schemas.openxmlformats.org/presentationml/2006/main">
   <p:cSld>
     <p:spTree>
